--- a/assets.pptx
+++ b/assets.pptx
@@ -6,6 +6,7 @@
   </p:sldMasterIdLst>
   <p:sldIdLst>
     <p:sldId id="256" r:id="rId2"/>
+    <p:sldId id="257" r:id="rId3"/>
   </p:sldIdLst>
   <p:sldSz cx="12192000" cy="6858000"/>
   <p:notesSz cx="6858000" cy="9144000"/>
@@ -104,6 +105,11 @@
       </a:defRPr>
     </a:lvl9pPr>
   </p:defaultTextStyle>
+  <p:extLst>
+    <p:ext uri="{EFAFB233-063F-42B5-8137-9DF3F51BA10A}">
+      <p15:sldGuideLst xmlns:p15="http://schemas.microsoft.com/office/powerpoint/2012/main"/>
+    </p:ext>
+  </p:extLst>
 </p:presentation>
 </file>
 
@@ -256,7 +262,7 @@
           <a:p>
             <a:fld id="{3FD170F2-AB81-4768-A5ED-939A44BF86ED}" type="datetimeFigureOut">
               <a:rPr lang="he-IL" smtClean="0"/>
-              <a:t>ט"ו/טבת/תשפ"א</a:t>
+              <a:t>ט"ז/טבת/תשפ"א</a:t>
             </a:fld>
             <a:endParaRPr lang="he-IL"/>
           </a:p>
@@ -456,7 +462,7 @@
           <a:p>
             <a:fld id="{3FD170F2-AB81-4768-A5ED-939A44BF86ED}" type="datetimeFigureOut">
               <a:rPr lang="he-IL" smtClean="0"/>
-              <a:t>ט"ו/טבת/תשפ"א</a:t>
+              <a:t>ט"ז/טבת/תשפ"א</a:t>
             </a:fld>
             <a:endParaRPr lang="he-IL"/>
           </a:p>
@@ -666,7 +672,7 @@
           <a:p>
             <a:fld id="{3FD170F2-AB81-4768-A5ED-939A44BF86ED}" type="datetimeFigureOut">
               <a:rPr lang="he-IL" smtClean="0"/>
-              <a:t>ט"ו/טבת/תשפ"א</a:t>
+              <a:t>ט"ז/טבת/תשפ"א</a:t>
             </a:fld>
             <a:endParaRPr lang="he-IL"/>
           </a:p>
@@ -866,7 +872,7 @@
           <a:p>
             <a:fld id="{3FD170F2-AB81-4768-A5ED-939A44BF86ED}" type="datetimeFigureOut">
               <a:rPr lang="he-IL" smtClean="0"/>
-              <a:t>ט"ו/טבת/תשפ"א</a:t>
+              <a:t>ט"ז/טבת/תשפ"א</a:t>
             </a:fld>
             <a:endParaRPr lang="he-IL"/>
           </a:p>
@@ -1142,7 +1148,7 @@
           <a:p>
             <a:fld id="{3FD170F2-AB81-4768-A5ED-939A44BF86ED}" type="datetimeFigureOut">
               <a:rPr lang="he-IL" smtClean="0"/>
-              <a:t>ט"ו/טבת/תשפ"א</a:t>
+              <a:t>ט"ז/טבת/תשפ"א</a:t>
             </a:fld>
             <a:endParaRPr lang="he-IL"/>
           </a:p>
@@ -1410,7 +1416,7 @@
           <a:p>
             <a:fld id="{3FD170F2-AB81-4768-A5ED-939A44BF86ED}" type="datetimeFigureOut">
               <a:rPr lang="he-IL" smtClean="0"/>
-              <a:t>ט"ו/טבת/תשפ"א</a:t>
+              <a:t>ט"ז/טבת/תשפ"א</a:t>
             </a:fld>
             <a:endParaRPr lang="he-IL"/>
           </a:p>
@@ -1825,7 +1831,7 @@
           <a:p>
             <a:fld id="{3FD170F2-AB81-4768-A5ED-939A44BF86ED}" type="datetimeFigureOut">
               <a:rPr lang="he-IL" smtClean="0"/>
-              <a:t>ט"ו/טבת/תשפ"א</a:t>
+              <a:t>ט"ז/טבת/תשפ"א</a:t>
             </a:fld>
             <a:endParaRPr lang="he-IL"/>
           </a:p>
@@ -1967,7 +1973,7 @@
           <a:p>
             <a:fld id="{3FD170F2-AB81-4768-A5ED-939A44BF86ED}" type="datetimeFigureOut">
               <a:rPr lang="he-IL" smtClean="0"/>
-              <a:t>ט"ו/טבת/תשפ"א</a:t>
+              <a:t>ט"ז/טבת/תשפ"א</a:t>
             </a:fld>
             <a:endParaRPr lang="he-IL"/>
           </a:p>
@@ -2080,7 +2086,7 @@
           <a:p>
             <a:fld id="{3FD170F2-AB81-4768-A5ED-939A44BF86ED}" type="datetimeFigureOut">
               <a:rPr lang="he-IL" smtClean="0"/>
-              <a:t>ט"ו/טבת/תשפ"א</a:t>
+              <a:t>ט"ז/טבת/תשפ"א</a:t>
             </a:fld>
             <a:endParaRPr lang="he-IL"/>
           </a:p>
@@ -2393,7 +2399,7 @@
           <a:p>
             <a:fld id="{3FD170F2-AB81-4768-A5ED-939A44BF86ED}" type="datetimeFigureOut">
               <a:rPr lang="he-IL" smtClean="0"/>
-              <a:t>ט"ו/טבת/תשפ"א</a:t>
+              <a:t>ט"ז/טבת/תשפ"א</a:t>
             </a:fld>
             <a:endParaRPr lang="he-IL"/>
           </a:p>
@@ -2682,7 +2688,7 @@
           <a:p>
             <a:fld id="{3FD170F2-AB81-4768-A5ED-939A44BF86ED}" type="datetimeFigureOut">
               <a:rPr lang="he-IL" smtClean="0"/>
-              <a:t>ט"ו/טבת/תשפ"א</a:t>
+              <a:t>ט"ז/טבת/תשפ"א</a:t>
             </a:fld>
             <a:endParaRPr lang="he-IL"/>
           </a:p>
@@ -2925,7 +2931,7 @@
           <a:p>
             <a:fld id="{3FD170F2-AB81-4768-A5ED-939A44BF86ED}" type="datetimeFigureOut">
               <a:rPr lang="he-IL" smtClean="0"/>
-              <a:t>ט"ו/טבת/תשפ"א</a:t>
+              <a:t>ט"ז/טבת/תשפ"א</a:t>
             </a:fld>
             <a:endParaRPr lang="he-IL"/>
           </a:p>
@@ -3342,10 +3348,1090 @@
           <a:chExt cx="0" cy="0"/>
         </a:xfrm>
       </p:grpSpPr>
+      <p:grpSp>
+        <p:nvGrpSpPr>
+          <p:cNvPr id="2" name="Group 1"/>
+          <p:cNvGrpSpPr/>
+          <p:nvPr/>
+        </p:nvGrpSpPr>
+        <p:grpSpPr>
+          <a:xfrm>
+            <a:off x="212719" y="1625960"/>
+            <a:ext cx="4786246" cy="4786246"/>
+            <a:chOff x="7474632" y="742950"/>
+            <a:chExt cx="4786246" cy="4786246"/>
+          </a:xfrm>
+        </p:grpSpPr>
+        <p:grpSp>
+          <p:nvGrpSpPr>
+            <p:cNvPr id="3" name="Group 2"/>
+            <p:cNvGrpSpPr/>
+            <p:nvPr/>
+          </p:nvGrpSpPr>
+          <p:grpSpPr>
+            <a:xfrm>
+              <a:off x="7729033" y="769774"/>
+              <a:ext cx="4262941" cy="4504880"/>
+              <a:chOff x="7729034" y="2209838"/>
+              <a:chExt cx="2900218" cy="3064817"/>
+            </a:xfrm>
+          </p:grpSpPr>
+          <p:grpSp>
+            <p:nvGrpSpPr>
+              <p:cNvPr id="7" name="Group 6"/>
+              <p:cNvGrpSpPr/>
+              <p:nvPr/>
+            </p:nvGrpSpPr>
+            <p:grpSpPr>
+              <a:xfrm>
+                <a:off x="8755896" y="2209838"/>
+                <a:ext cx="1678960" cy="2055392"/>
+                <a:chOff x="8755896" y="2209838"/>
+                <a:chExt cx="1678960" cy="2055392"/>
+              </a:xfrm>
+              <a:solidFill>
+                <a:srgbClr val="8DB8F7"/>
+              </a:solidFill>
+            </p:grpSpPr>
+            <p:sp>
+              <p:nvSpPr>
+                <p:cNvPr id="12" name="Cloud 11"/>
+                <p:cNvSpPr/>
+                <p:nvPr/>
+              </p:nvSpPr>
+              <p:spPr>
+                <a:xfrm rot="2838867">
+                  <a:off x="8900433" y="2595911"/>
+                  <a:ext cx="1920495" cy="1148350"/>
+                </a:xfrm>
+                <a:prstGeom prst="cloud">
+                  <a:avLst/>
+                </a:prstGeom>
+                <a:grpFill/>
+                <a:ln>
+                  <a:solidFill>
+                    <a:srgbClr val="8DB8F7"/>
+                  </a:solidFill>
+                </a:ln>
+              </p:spPr>
+              <p:style>
+                <a:lnRef idx="2">
+                  <a:schemeClr val="accent1">
+                    <a:shade val="50000"/>
+                  </a:schemeClr>
+                </a:lnRef>
+                <a:fillRef idx="1">
+                  <a:schemeClr val="accent1"/>
+                </a:fillRef>
+                <a:effectRef idx="0">
+                  <a:schemeClr val="accent1"/>
+                </a:effectRef>
+                <a:fontRef idx="minor">
+                  <a:schemeClr val="lt1"/>
+                </a:fontRef>
+              </p:style>
+              <p:txBody>
+                <a:bodyPr rtlCol="0" anchor="ctr"/>
+                <a:lstStyle/>
+                <a:p>
+                  <a:pPr algn="ctr"/>
+                  <a:endParaRPr lang="en-US"/>
+                </a:p>
+              </p:txBody>
+            </p:sp>
+            <p:sp>
+              <p:nvSpPr>
+                <p:cNvPr id="13" name="Rectangle 12"/>
+                <p:cNvSpPr/>
+                <p:nvPr/>
+              </p:nvSpPr>
+              <p:spPr>
+                <a:xfrm rot="2700000" flipH="1">
+                  <a:off x="9225862" y="3055882"/>
+                  <a:ext cx="290574" cy="1138860"/>
+                </a:xfrm>
+                <a:prstGeom prst="rect">
+                  <a:avLst/>
+                </a:prstGeom>
+                <a:grpFill/>
+                <a:ln>
+                  <a:solidFill>
+                    <a:srgbClr val="8DB8F7"/>
+                  </a:solidFill>
+                </a:ln>
+              </p:spPr>
+              <p:style>
+                <a:lnRef idx="2">
+                  <a:schemeClr val="accent1">
+                    <a:shade val="50000"/>
+                  </a:schemeClr>
+                </a:lnRef>
+                <a:fillRef idx="1">
+                  <a:schemeClr val="accent1"/>
+                </a:fillRef>
+                <a:effectRef idx="0">
+                  <a:schemeClr val="accent1"/>
+                </a:effectRef>
+                <a:fontRef idx="minor">
+                  <a:schemeClr val="lt1"/>
+                </a:fontRef>
+              </p:style>
+              <p:txBody>
+                <a:bodyPr rtlCol="0" anchor="ctr"/>
+                <a:lstStyle/>
+                <a:p>
+                  <a:pPr algn="ctr"/>
+                  <a:endParaRPr lang="en-US"/>
+                </a:p>
+              </p:txBody>
+            </p:sp>
+            <p:grpSp>
+              <p:nvGrpSpPr>
+                <p:cNvPr id="14" name="Group 13"/>
+                <p:cNvGrpSpPr/>
+                <p:nvPr/>
+              </p:nvGrpSpPr>
+              <p:grpSpPr>
+                <a:xfrm>
+                  <a:off x="8755896" y="3313261"/>
+                  <a:ext cx="1017854" cy="951969"/>
+                  <a:chOff x="3397221" y="2025929"/>
+                  <a:chExt cx="1887486" cy="1765308"/>
+                </a:xfrm>
+                <a:grpFill/>
+              </p:grpSpPr>
+              <p:sp>
+                <p:nvSpPr>
+                  <p:cNvPr id="15" name="Isosceles Triangle 14"/>
+                  <p:cNvSpPr/>
+                  <p:nvPr/>
+                </p:nvSpPr>
+                <p:spPr>
+                  <a:xfrm rot="13500000">
+                    <a:off x="3353636" y="3269240"/>
+                    <a:ext cx="565582" cy="478412"/>
+                  </a:xfrm>
+                  <a:prstGeom prst="triangle">
+                    <a:avLst/>
+                  </a:prstGeom>
+                  <a:grpFill/>
+                  <a:ln>
+                    <a:solidFill>
+                      <a:srgbClr val="8DB8F7"/>
+                    </a:solidFill>
+                  </a:ln>
+                </p:spPr>
+                <p:style>
+                  <a:lnRef idx="2">
+                    <a:schemeClr val="accent1">
+                      <a:shade val="50000"/>
+                    </a:schemeClr>
+                  </a:lnRef>
+                  <a:fillRef idx="1">
+                    <a:schemeClr val="accent1"/>
+                  </a:fillRef>
+                  <a:effectRef idx="0">
+                    <a:schemeClr val="accent1"/>
+                  </a:effectRef>
+                  <a:fontRef idx="minor">
+                    <a:schemeClr val="lt1"/>
+                  </a:fontRef>
+                </p:style>
+                <p:txBody>
+                  <a:bodyPr rtlCol="0" anchor="ctr"/>
+                  <a:lstStyle/>
+                  <a:p>
+                    <a:pPr algn="ctr"/>
+                    <a:endParaRPr lang="en-US"/>
+                  </a:p>
+                </p:txBody>
+              </p:sp>
+              <p:sp>
+                <p:nvSpPr>
+                  <p:cNvPr id="16" name="Isosceles Triangle 15"/>
+                  <p:cNvSpPr/>
+                  <p:nvPr/>
+                </p:nvSpPr>
+                <p:spPr>
+                  <a:xfrm rot="3668669">
+                    <a:off x="4602718" y="2564653"/>
+                    <a:ext cx="76226" cy="826903"/>
+                  </a:xfrm>
+                  <a:prstGeom prst="triangle">
+                    <a:avLst/>
+                  </a:prstGeom>
+                  <a:grpFill/>
+                  <a:ln>
+                    <a:solidFill>
+                      <a:srgbClr val="8DB8F7"/>
+                    </a:solidFill>
+                  </a:ln>
+                </p:spPr>
+                <p:style>
+                  <a:lnRef idx="2">
+                    <a:schemeClr val="accent1">
+                      <a:shade val="50000"/>
+                    </a:schemeClr>
+                  </a:lnRef>
+                  <a:fillRef idx="1">
+                    <a:schemeClr val="accent1"/>
+                  </a:fillRef>
+                  <a:effectRef idx="0">
+                    <a:schemeClr val="accent1"/>
+                  </a:effectRef>
+                  <a:fontRef idx="minor">
+                    <a:schemeClr val="lt1"/>
+                  </a:fontRef>
+                </p:style>
+                <p:txBody>
+                  <a:bodyPr rtlCol="0" anchor="ctr"/>
+                  <a:lstStyle/>
+                  <a:p>
+                    <a:pPr algn="ctr"/>
+                    <a:endParaRPr lang="en-US"/>
+                  </a:p>
+                </p:txBody>
+              </p:sp>
+              <p:sp>
+                <p:nvSpPr>
+                  <p:cNvPr id="17" name="Isosceles Triangle 16"/>
+                  <p:cNvSpPr/>
+                  <p:nvPr/>
+                </p:nvSpPr>
+                <p:spPr>
+                  <a:xfrm rot="4113444">
+                    <a:off x="4325139" y="2849775"/>
+                    <a:ext cx="131378" cy="826903"/>
+                  </a:xfrm>
+                  <a:prstGeom prst="triangle">
+                    <a:avLst/>
+                  </a:prstGeom>
+                  <a:grpFill/>
+                  <a:ln>
+                    <a:solidFill>
+                      <a:srgbClr val="8DB8F7"/>
+                    </a:solidFill>
+                  </a:ln>
+                </p:spPr>
+                <p:style>
+                  <a:lnRef idx="2">
+                    <a:schemeClr val="accent1">
+                      <a:shade val="50000"/>
+                    </a:schemeClr>
+                  </a:lnRef>
+                  <a:fillRef idx="1">
+                    <a:schemeClr val="accent1"/>
+                  </a:fillRef>
+                  <a:effectRef idx="0">
+                    <a:schemeClr val="accent1"/>
+                  </a:effectRef>
+                  <a:fontRef idx="minor">
+                    <a:schemeClr val="lt1"/>
+                  </a:fontRef>
+                </p:style>
+                <p:txBody>
+                  <a:bodyPr rtlCol="0" anchor="ctr"/>
+                  <a:lstStyle/>
+                  <a:p>
+                    <a:pPr algn="ctr"/>
+                    <a:endParaRPr lang="en-US"/>
+                  </a:p>
+                </p:txBody>
+              </p:sp>
+              <p:sp>
+                <p:nvSpPr>
+                  <p:cNvPr id="18" name="Isosceles Triangle 17"/>
+                  <p:cNvSpPr/>
+                  <p:nvPr/>
+                </p:nvSpPr>
+                <p:spPr>
+                  <a:xfrm rot="4702498">
+                    <a:off x="4182218" y="3149915"/>
+                    <a:ext cx="102873" cy="568390"/>
+                  </a:xfrm>
+                  <a:prstGeom prst="triangle">
+                    <a:avLst/>
+                  </a:prstGeom>
+                  <a:grpFill/>
+                  <a:ln>
+                    <a:solidFill>
+                      <a:srgbClr val="8DB8F7"/>
+                    </a:solidFill>
+                  </a:ln>
+                </p:spPr>
+                <p:style>
+                  <a:lnRef idx="2">
+                    <a:schemeClr val="accent1">
+                      <a:shade val="50000"/>
+                    </a:schemeClr>
+                  </a:lnRef>
+                  <a:fillRef idx="1">
+                    <a:schemeClr val="accent1"/>
+                  </a:fillRef>
+                  <a:effectRef idx="0">
+                    <a:schemeClr val="accent1"/>
+                  </a:effectRef>
+                  <a:fontRef idx="minor">
+                    <a:schemeClr val="lt1"/>
+                  </a:fontRef>
+                </p:style>
+                <p:txBody>
+                  <a:bodyPr rtlCol="0" anchor="ctr"/>
+                  <a:lstStyle/>
+                  <a:p>
+                    <a:pPr algn="ctr"/>
+                    <a:endParaRPr lang="en-US"/>
+                  </a:p>
+                </p:txBody>
+              </p:sp>
+              <p:sp>
+                <p:nvSpPr>
+                  <p:cNvPr id="19" name="Isosceles Triangle 18"/>
+                  <p:cNvSpPr/>
+                  <p:nvPr/>
+                </p:nvSpPr>
+                <p:spPr>
+                  <a:xfrm rot="1763968">
+                    <a:off x="3910797" y="2290410"/>
+                    <a:ext cx="86057" cy="826903"/>
+                  </a:xfrm>
+                  <a:prstGeom prst="triangle">
+                    <a:avLst/>
+                  </a:prstGeom>
+                  <a:grpFill/>
+                  <a:ln>
+                    <a:solidFill>
+                      <a:srgbClr val="8DB8F7"/>
+                    </a:solidFill>
+                  </a:ln>
+                </p:spPr>
+                <p:style>
+                  <a:lnRef idx="2">
+                    <a:schemeClr val="accent1">
+                      <a:shade val="50000"/>
+                    </a:schemeClr>
+                  </a:lnRef>
+                  <a:fillRef idx="1">
+                    <a:schemeClr val="accent1"/>
+                  </a:fillRef>
+                  <a:effectRef idx="0">
+                    <a:schemeClr val="accent1"/>
+                  </a:effectRef>
+                  <a:fontRef idx="minor">
+                    <a:schemeClr val="lt1"/>
+                  </a:fontRef>
+                </p:style>
+                <p:txBody>
+                  <a:bodyPr rtlCol="0" anchor="ctr"/>
+                  <a:lstStyle/>
+                  <a:p>
+                    <a:pPr algn="ctr"/>
+                    <a:endParaRPr lang="en-US"/>
+                  </a:p>
+                </p:txBody>
+              </p:sp>
+              <p:sp>
+                <p:nvSpPr>
+                  <p:cNvPr id="20" name="Isosceles Triangle 19"/>
+                  <p:cNvSpPr/>
+                  <p:nvPr/>
+                </p:nvSpPr>
+                <p:spPr>
+                  <a:xfrm rot="1090835">
+                    <a:off x="3665732" y="2684283"/>
+                    <a:ext cx="84780" cy="556122"/>
+                  </a:xfrm>
+                  <a:prstGeom prst="triangle">
+                    <a:avLst/>
+                  </a:prstGeom>
+                  <a:grpFill/>
+                  <a:ln>
+                    <a:solidFill>
+                      <a:srgbClr val="8DB8F7"/>
+                    </a:solidFill>
+                  </a:ln>
+                </p:spPr>
+                <p:style>
+                  <a:lnRef idx="2">
+                    <a:schemeClr val="accent1">
+                      <a:shade val="50000"/>
+                    </a:schemeClr>
+                  </a:lnRef>
+                  <a:fillRef idx="1">
+                    <a:schemeClr val="accent1"/>
+                  </a:fillRef>
+                  <a:effectRef idx="0">
+                    <a:schemeClr val="accent1"/>
+                  </a:effectRef>
+                  <a:fontRef idx="minor">
+                    <a:schemeClr val="lt1"/>
+                  </a:fontRef>
+                </p:style>
+                <p:txBody>
+                  <a:bodyPr rtlCol="0" anchor="ctr"/>
+                  <a:lstStyle/>
+                  <a:p>
+                    <a:pPr algn="ctr"/>
+                    <a:endParaRPr lang="en-US"/>
+                  </a:p>
+                </p:txBody>
+              </p:sp>
+              <p:sp>
+                <p:nvSpPr>
+                  <p:cNvPr id="21" name="Isosceles Triangle 20"/>
+                  <p:cNvSpPr/>
+                  <p:nvPr/>
+                </p:nvSpPr>
+                <p:spPr>
+                  <a:xfrm rot="13794146">
+                    <a:off x="4865207" y="2152423"/>
+                    <a:ext cx="80176" cy="758824"/>
+                  </a:xfrm>
+                  <a:prstGeom prst="triangle">
+                    <a:avLst/>
+                  </a:prstGeom>
+                  <a:grpFill/>
+                  <a:ln>
+                    <a:solidFill>
+                      <a:srgbClr val="8DB8F7"/>
+                    </a:solidFill>
+                  </a:ln>
+                </p:spPr>
+                <p:style>
+                  <a:lnRef idx="2">
+                    <a:schemeClr val="accent1">
+                      <a:shade val="50000"/>
+                    </a:schemeClr>
+                  </a:lnRef>
+                  <a:fillRef idx="1">
+                    <a:schemeClr val="accent1"/>
+                  </a:fillRef>
+                  <a:effectRef idx="0">
+                    <a:schemeClr val="accent1"/>
+                  </a:effectRef>
+                  <a:fontRef idx="minor">
+                    <a:schemeClr val="lt1"/>
+                  </a:fontRef>
+                </p:style>
+                <p:txBody>
+                  <a:bodyPr rtlCol="0" anchor="ctr"/>
+                  <a:lstStyle/>
+                  <a:p>
+                    <a:pPr algn="ctr"/>
+                    <a:endParaRPr lang="en-US"/>
+                  </a:p>
+                </p:txBody>
+              </p:sp>
+              <p:sp>
+                <p:nvSpPr>
+                  <p:cNvPr id="22" name="Isosceles Triangle 38"/>
+                  <p:cNvSpPr/>
+                  <p:nvPr/>
+                </p:nvSpPr>
+                <p:spPr>
+                  <a:xfrm rot="12517115" flipH="1">
+                    <a:off x="4229935" y="2025929"/>
+                    <a:ext cx="62427" cy="661025"/>
+                  </a:xfrm>
+                  <a:custGeom>
+                    <a:avLst/>
+                    <a:gdLst>
+                      <a:gd name="connsiteX0" fmla="*/ 0 w 64891"/>
+                      <a:gd name="connsiteY0" fmla="*/ 523961 h 523961"/>
+                      <a:gd name="connsiteX1" fmla="*/ 32446 w 64891"/>
+                      <a:gd name="connsiteY1" fmla="*/ 0 h 523961"/>
+                      <a:gd name="connsiteX2" fmla="*/ 64891 w 64891"/>
+                      <a:gd name="connsiteY2" fmla="*/ 523961 h 523961"/>
+                      <a:gd name="connsiteX3" fmla="*/ 0 w 64891"/>
+                      <a:gd name="connsiteY3" fmla="*/ 523961 h 523961"/>
+                      <a:gd name="connsiteX0" fmla="*/ 0 w 49483"/>
+                      <a:gd name="connsiteY0" fmla="*/ 421150 h 523961"/>
+                      <a:gd name="connsiteX1" fmla="*/ 17038 w 49483"/>
+                      <a:gd name="connsiteY1" fmla="*/ 0 h 523961"/>
+                      <a:gd name="connsiteX2" fmla="*/ 49483 w 49483"/>
+                      <a:gd name="connsiteY2" fmla="*/ 523961 h 523961"/>
+                      <a:gd name="connsiteX3" fmla="*/ 0 w 49483"/>
+                      <a:gd name="connsiteY3" fmla="*/ 421150 h 523961"/>
+                    </a:gdLst>
+                    <a:ahLst/>
+                    <a:cxnLst>
+                      <a:cxn ang="0">
+                        <a:pos x="connsiteX0" y="connsiteY0"/>
+                      </a:cxn>
+                      <a:cxn ang="0">
+                        <a:pos x="connsiteX1" y="connsiteY1"/>
+                      </a:cxn>
+                      <a:cxn ang="0">
+                        <a:pos x="connsiteX2" y="connsiteY2"/>
+                      </a:cxn>
+                      <a:cxn ang="0">
+                        <a:pos x="connsiteX3" y="connsiteY3"/>
+                      </a:cxn>
+                    </a:cxnLst>
+                    <a:rect l="l" t="t" r="r" b="b"/>
+                    <a:pathLst>
+                      <a:path w="49483" h="523961">
+                        <a:moveTo>
+                          <a:pt x="0" y="421150"/>
+                        </a:moveTo>
+                        <a:lnTo>
+                          <a:pt x="17038" y="0"/>
+                        </a:lnTo>
+                        <a:lnTo>
+                          <a:pt x="49483" y="523961"/>
+                        </a:lnTo>
+                        <a:lnTo>
+                          <a:pt x="0" y="421150"/>
+                        </a:lnTo>
+                        <a:close/>
+                      </a:path>
+                    </a:pathLst>
+                  </a:custGeom>
+                  <a:grpFill/>
+                  <a:ln>
+                    <a:solidFill>
+                      <a:srgbClr val="8DB8F7"/>
+                    </a:solidFill>
+                  </a:ln>
+                </p:spPr>
+                <p:style>
+                  <a:lnRef idx="2">
+                    <a:schemeClr val="accent1">
+                      <a:shade val="50000"/>
+                    </a:schemeClr>
+                  </a:lnRef>
+                  <a:fillRef idx="1">
+                    <a:schemeClr val="accent1"/>
+                  </a:fillRef>
+                  <a:effectRef idx="0">
+                    <a:schemeClr val="accent1"/>
+                  </a:effectRef>
+                  <a:fontRef idx="minor">
+                    <a:schemeClr val="lt1"/>
+                  </a:fontRef>
+                </p:style>
+                <p:txBody>
+                  <a:bodyPr rtlCol="0" anchor="ctr"/>
+                  <a:lstStyle/>
+                  <a:p>
+                    <a:pPr algn="ctr"/>
+                    <a:endParaRPr lang="en-US"/>
+                  </a:p>
+                </p:txBody>
+              </p:sp>
+            </p:grpSp>
+          </p:grpSp>
+          <p:grpSp>
+            <p:nvGrpSpPr>
+              <p:cNvPr id="8" name="Group 7"/>
+              <p:cNvGrpSpPr/>
+              <p:nvPr/>
+            </p:nvGrpSpPr>
+            <p:grpSpPr>
+              <a:xfrm>
+                <a:off x="7729034" y="2374437"/>
+                <a:ext cx="2900218" cy="2900218"/>
+                <a:chOff x="7416800" y="1625601"/>
+                <a:chExt cx="2900218" cy="2900218"/>
+              </a:xfrm>
+              <a:solidFill>
+                <a:srgbClr val="042751"/>
+              </a:solidFill>
+            </p:grpSpPr>
+            <p:sp>
+              <p:nvSpPr>
+                <p:cNvPr id="9" name="Donut 8"/>
+                <p:cNvSpPr/>
+                <p:nvPr/>
+              </p:nvSpPr>
+              <p:spPr>
+                <a:xfrm>
+                  <a:off x="7416800" y="1625601"/>
+                  <a:ext cx="2900218" cy="2900218"/>
+                </a:xfrm>
+                <a:prstGeom prst="donut">
+                  <a:avLst>
+                    <a:gd name="adj" fmla="val 5586"/>
+                  </a:avLst>
+                </a:prstGeom>
+                <a:grpFill/>
+                <a:ln>
+                  <a:solidFill>
+                    <a:srgbClr val="042751"/>
+                  </a:solidFill>
+                </a:ln>
+              </p:spPr>
+              <p:style>
+                <a:lnRef idx="2">
+                  <a:schemeClr val="accent1">
+                    <a:shade val="50000"/>
+                  </a:schemeClr>
+                </a:lnRef>
+                <a:fillRef idx="1">
+                  <a:schemeClr val="accent1"/>
+                </a:fillRef>
+                <a:effectRef idx="0">
+                  <a:schemeClr val="accent1"/>
+                </a:effectRef>
+                <a:fontRef idx="minor">
+                  <a:schemeClr val="lt1"/>
+                </a:fontRef>
+              </p:style>
+              <p:txBody>
+                <a:bodyPr rtlCol="0" anchor="ctr"/>
+                <a:lstStyle/>
+                <a:p>
+                  <a:pPr algn="ctr"/>
+                  <a:endParaRPr lang="en-US">
+                    <a:solidFill>
+                      <a:schemeClr val="tx1"/>
+                    </a:solidFill>
+                  </a:endParaRPr>
+                </a:p>
+              </p:txBody>
+            </p:sp>
+            <p:sp>
+              <p:nvSpPr>
+                <p:cNvPr id="10" name="Rectangle 9"/>
+                <p:cNvSpPr/>
+                <p:nvPr/>
+              </p:nvSpPr>
+              <p:spPr>
+                <a:xfrm rot="2700000">
+                  <a:off x="8126366" y="3224742"/>
+                  <a:ext cx="151456" cy="1001402"/>
+                </a:xfrm>
+                <a:prstGeom prst="rect">
+                  <a:avLst/>
+                </a:prstGeom>
+                <a:grpFill/>
+                <a:ln>
+                  <a:solidFill>
+                    <a:srgbClr val="042751"/>
+                  </a:solidFill>
+                </a:ln>
+              </p:spPr>
+              <p:style>
+                <a:lnRef idx="2">
+                  <a:schemeClr val="accent1">
+                    <a:shade val="50000"/>
+                  </a:schemeClr>
+                </a:lnRef>
+                <a:fillRef idx="1">
+                  <a:schemeClr val="accent1"/>
+                </a:fillRef>
+                <a:effectRef idx="0">
+                  <a:schemeClr val="accent1"/>
+                </a:effectRef>
+                <a:fontRef idx="minor">
+                  <a:schemeClr val="lt1"/>
+                </a:fontRef>
+              </p:style>
+              <p:txBody>
+                <a:bodyPr rtlCol="0" anchor="ctr"/>
+                <a:lstStyle/>
+                <a:p>
+                  <a:pPr algn="ctr"/>
+                  <a:endParaRPr lang="en-US"/>
+                </a:p>
+              </p:txBody>
+            </p:sp>
+            <p:sp>
+              <p:nvSpPr>
+                <p:cNvPr id="11" name="Isosceles Triangle 10"/>
+                <p:cNvSpPr/>
+                <p:nvPr/>
+              </p:nvSpPr>
+              <p:spPr>
+                <a:xfrm rot="13500000">
+                  <a:off x="8287611" y="3297160"/>
+                  <a:ext cx="413512" cy="267855"/>
+                </a:xfrm>
+                <a:prstGeom prst="triangle">
+                  <a:avLst/>
+                </a:prstGeom>
+                <a:grpFill/>
+                <a:ln>
+                  <a:solidFill>
+                    <a:srgbClr val="042751"/>
+                  </a:solidFill>
+                </a:ln>
+              </p:spPr>
+              <p:style>
+                <a:lnRef idx="2">
+                  <a:schemeClr val="accent1">
+                    <a:shade val="50000"/>
+                  </a:schemeClr>
+                </a:lnRef>
+                <a:fillRef idx="1">
+                  <a:schemeClr val="accent1"/>
+                </a:fillRef>
+                <a:effectRef idx="0">
+                  <a:schemeClr val="accent1"/>
+                </a:effectRef>
+                <a:fontRef idx="minor">
+                  <a:schemeClr val="lt1"/>
+                </a:fontRef>
+              </p:style>
+              <p:txBody>
+                <a:bodyPr rtlCol="0" anchor="ctr"/>
+                <a:lstStyle/>
+                <a:p>
+                  <a:pPr algn="ctr"/>
+                  <a:endParaRPr lang="en-US"/>
+                </a:p>
+              </p:txBody>
+            </p:sp>
+          </p:grpSp>
+        </p:grpSp>
+        <p:sp>
+          <p:nvSpPr>
+            <p:cNvPr id="4" name="Donut 3"/>
+            <p:cNvSpPr/>
+            <p:nvPr/>
+          </p:nvSpPr>
+          <p:spPr>
+            <a:xfrm>
+              <a:off x="7474632" y="742950"/>
+              <a:ext cx="4786246" cy="4786246"/>
+            </a:xfrm>
+            <a:prstGeom prst="donut">
+              <a:avLst>
+                <a:gd name="adj" fmla="val 5586"/>
+              </a:avLst>
+            </a:prstGeom>
+            <a:solidFill>
+              <a:srgbClr val="042751"/>
+            </a:solidFill>
+            <a:ln>
+              <a:solidFill>
+                <a:srgbClr val="042751"/>
+              </a:solidFill>
+            </a:ln>
+          </p:spPr>
+          <p:style>
+            <a:lnRef idx="2">
+              <a:schemeClr val="accent1">
+                <a:shade val="50000"/>
+              </a:schemeClr>
+            </a:lnRef>
+            <a:fillRef idx="1">
+              <a:schemeClr val="accent1"/>
+            </a:fillRef>
+            <a:effectRef idx="0">
+              <a:schemeClr val="accent1"/>
+            </a:effectRef>
+            <a:fontRef idx="minor">
+              <a:schemeClr val="lt1"/>
+            </a:fontRef>
+          </p:style>
+          <p:txBody>
+            <a:bodyPr rtlCol="0" anchor="ctr"/>
+            <a:lstStyle/>
+            <a:p>
+              <a:pPr algn="ctr"/>
+              <a:endParaRPr lang="en-US">
+                <a:solidFill>
+                  <a:schemeClr val="tx1"/>
+                </a:solidFill>
+              </a:endParaRPr>
+            </a:p>
+          </p:txBody>
+        </p:sp>
+        <p:sp>
+          <p:nvSpPr>
+            <p:cNvPr id="5" name="Moon 4"/>
+            <p:cNvSpPr/>
+            <p:nvPr/>
+          </p:nvSpPr>
+          <p:spPr>
+            <a:xfrm rot="19886767">
+              <a:off x="9862012" y="1698962"/>
+              <a:ext cx="202297" cy="721455"/>
+            </a:xfrm>
+            <a:prstGeom prst="moon">
+              <a:avLst>
+                <a:gd name="adj" fmla="val 19265"/>
+              </a:avLst>
+            </a:prstGeom>
+            <a:solidFill>
+              <a:schemeClr val="bg1"/>
+            </a:solidFill>
+            <a:ln>
+              <a:solidFill>
+                <a:schemeClr val="bg1"/>
+              </a:solidFill>
+            </a:ln>
+          </p:spPr>
+          <p:style>
+            <a:lnRef idx="2">
+              <a:schemeClr val="accent1">
+                <a:shade val="50000"/>
+              </a:schemeClr>
+            </a:lnRef>
+            <a:fillRef idx="1">
+              <a:schemeClr val="accent1"/>
+            </a:fillRef>
+            <a:effectRef idx="0">
+              <a:schemeClr val="accent1"/>
+            </a:effectRef>
+            <a:fontRef idx="minor">
+              <a:schemeClr val="lt1"/>
+            </a:fontRef>
+          </p:style>
+          <p:txBody>
+            <a:bodyPr rtlCol="0" anchor="ctr"/>
+            <a:lstStyle/>
+            <a:p>
+              <a:pPr algn="ctr"/>
+              <a:endParaRPr lang="en-US"/>
+            </a:p>
+          </p:txBody>
+        </p:sp>
+        <p:sp>
+          <p:nvSpPr>
+            <p:cNvPr id="6" name="Moon 5"/>
+            <p:cNvSpPr/>
+            <p:nvPr/>
+          </p:nvSpPr>
+          <p:spPr>
+            <a:xfrm rot="18470241">
+              <a:off x="10902430" y="2797950"/>
+              <a:ext cx="146516" cy="518639"/>
+            </a:xfrm>
+            <a:prstGeom prst="moon">
+              <a:avLst>
+                <a:gd name="adj" fmla="val 19265"/>
+              </a:avLst>
+            </a:prstGeom>
+            <a:solidFill>
+              <a:schemeClr val="bg1"/>
+            </a:solidFill>
+            <a:ln>
+              <a:solidFill>
+                <a:schemeClr val="bg1"/>
+              </a:solidFill>
+            </a:ln>
+          </p:spPr>
+          <p:style>
+            <a:lnRef idx="2">
+              <a:schemeClr val="accent1">
+                <a:shade val="50000"/>
+              </a:schemeClr>
+            </a:lnRef>
+            <a:fillRef idx="1">
+              <a:schemeClr val="accent1"/>
+            </a:fillRef>
+            <a:effectRef idx="0">
+              <a:schemeClr val="accent1"/>
+            </a:effectRef>
+            <a:fontRef idx="minor">
+              <a:schemeClr val="lt1"/>
+            </a:fontRef>
+          </p:style>
+          <p:txBody>
+            <a:bodyPr rtlCol="0" anchor="ctr"/>
+            <a:lstStyle/>
+            <a:p>
+              <a:pPr algn="ctr"/>
+              <a:endParaRPr lang="en-US"/>
+            </a:p>
+          </p:txBody>
+        </p:sp>
+      </p:grpSp>
+      <p:sp>
+        <p:nvSpPr>
+          <p:cNvPr id="23" name="TextBox 22"/>
+          <p:cNvSpPr txBox="1"/>
+          <p:nvPr/>
+        </p:nvSpPr>
+        <p:spPr>
+          <a:xfrm>
+            <a:off x="4998965" y="671593"/>
+            <a:ext cx="6191118" cy="2800767"/>
+          </a:xfrm>
+          <a:prstGeom prst="rect">
+            <a:avLst/>
+          </a:prstGeom>
+          <a:noFill/>
+        </p:spPr>
+        <p:txBody>
+          <a:bodyPr wrap="none" rtlCol="0">
+            <a:spAutoFit/>
+          </a:bodyPr>
+          <a:lstStyle/>
+          <a:p>
+            <a:r>
+              <a:rPr lang="en-US" sz="8800" dirty="0" smtClean="0">
+                <a:solidFill>
+                  <a:srgbClr val="0AA1D6"/>
+                </a:solidFill>
+                <a:latin typeface="Cocogoose" pitchFamily="2" charset="0"/>
+              </a:rPr>
+              <a:t>Pressure </a:t>
+            </a:r>
+          </a:p>
+          <a:p>
+            <a:r>
+              <a:rPr lang="en-US" sz="8800" dirty="0" smtClean="0">
+                <a:solidFill>
+                  <a:srgbClr val="0AA1D6"/>
+                </a:solidFill>
+                <a:latin typeface="Cocogoose" pitchFamily="2" charset="0"/>
+              </a:rPr>
+              <a:t>Washers</a:t>
+            </a:r>
+            <a:endParaRPr lang="en-US" sz="8800" dirty="0">
+              <a:solidFill>
+                <a:srgbClr val="0AA1D6"/>
+              </a:solidFill>
+              <a:latin typeface="Cocogoose" pitchFamily="2" charset="0"/>
+            </a:endParaRPr>
+          </a:p>
+        </p:txBody>
+      </p:sp>
+      <p:sp>
+        <p:nvSpPr>
+          <p:cNvPr id="24" name="Rectangle 23"/>
+          <p:cNvSpPr/>
+          <p:nvPr/>
+        </p:nvSpPr>
+        <p:spPr>
+          <a:xfrm>
+            <a:off x="0" y="-694618"/>
+            <a:ext cx="13817600" cy="2646878"/>
+          </a:xfrm>
+          <a:prstGeom prst="rect">
+            <a:avLst/>
+          </a:prstGeom>
+        </p:spPr>
+        <p:txBody>
+          <a:bodyPr wrap="square">
+            <a:spAutoFit/>
+          </a:bodyPr>
+          <a:lstStyle/>
+          <a:p>
+            <a:r>
+              <a:rPr lang="en-US" sz="16600" dirty="0">
+                <a:solidFill>
+                  <a:srgbClr val="022E79"/>
+                </a:solidFill>
+                <a:latin typeface="Cocogoose" pitchFamily="2" charset="0"/>
+              </a:rPr>
+              <a:t>Fort </a:t>
+            </a:r>
+            <a:r>
+              <a:rPr lang="en-US" sz="16600" dirty="0" smtClean="0">
+                <a:solidFill>
+                  <a:srgbClr val="022E79"/>
+                </a:solidFill>
+                <a:latin typeface="Cocogoose" pitchFamily="2" charset="0"/>
+              </a:rPr>
+              <a:t>Collins </a:t>
+            </a:r>
+            <a:endParaRPr lang="en-US" sz="16600" dirty="0">
+              <a:solidFill>
+                <a:srgbClr val="022E79"/>
+              </a:solidFill>
+              <a:latin typeface="Cocogoose" pitchFamily="2" charset="0"/>
+            </a:endParaRPr>
+          </a:p>
+        </p:txBody>
+      </p:sp>
     </p:spTree>
     <p:extLst>
       <p:ext uri="{BB962C8B-B14F-4D97-AF65-F5344CB8AC3E}">
         <p14:creationId xmlns:p14="http://schemas.microsoft.com/office/powerpoint/2010/main" val="2655045315"/>
+      </p:ext>
+    </p:extLst>
+  </p:cSld>
+  <p:clrMapOvr>
+    <a:masterClrMapping/>
+  </p:clrMapOvr>
+</p:sld>
+</file>
+
+<file path=ppt/slides/slide2.xml><?xml version="1.0" encoding="utf-8"?>
+<p:sld xmlns:a="http://schemas.openxmlformats.org/drawingml/2006/main" xmlns:r="http://schemas.openxmlformats.org/officeDocument/2006/relationships" xmlns:p="http://schemas.openxmlformats.org/presentationml/2006/main">
+  <p:cSld>
+    <p:spTree>
+      <p:nvGrpSpPr>
+        <p:cNvPr id="1" name=""/>
+        <p:cNvGrpSpPr/>
+        <p:nvPr/>
+      </p:nvGrpSpPr>
+      <p:grpSpPr>
+        <a:xfrm>
+          <a:off x="0" y="0"/>
+          <a:ext cx="0" cy="0"/>
+          <a:chOff x="0" y="0"/>
+          <a:chExt cx="0" cy="0"/>
+        </a:xfrm>
+      </p:grpSpPr>
+      <p:pic>
+        <p:nvPicPr>
+          <p:cNvPr id="4" name="Picture 3"/>
+          <p:cNvPicPr>
+            <a:picLocks noChangeAspect="1"/>
+          </p:cNvPicPr>
+          <p:nvPr/>
+        </p:nvPicPr>
+        <p:blipFill>
+          <a:blip r:embed="rId2">
+            <a:extLst>
+              <a:ext uri="{28A0092B-C50C-407E-A947-70E740481C1C}">
+                <a14:useLocalDpi xmlns:a14="http://schemas.microsoft.com/office/drawing/2010/main" val="0"/>
+              </a:ext>
+            </a:extLst>
+          </a:blip>
+          <a:stretch>
+            <a:fillRect/>
+          </a:stretch>
+        </p:blipFill>
+        <p:spPr>
+          <a:xfrm>
+            <a:off x="323850" y="229540"/>
+            <a:ext cx="12254849" cy="3885260"/>
+          </a:xfrm>
+          <a:prstGeom prst="rect">
+            <a:avLst/>
+          </a:prstGeom>
+        </p:spPr>
+      </p:pic>
+      <p:pic>
+        <p:nvPicPr>
+          <p:cNvPr id="5" name="Picture 4"/>
+          <p:cNvPicPr>
+            <a:picLocks noChangeAspect="1"/>
+          </p:cNvPicPr>
+          <p:nvPr/>
+        </p:nvPicPr>
+        <p:blipFill>
+          <a:blip r:embed="rId3">
+            <a:extLst>
+              <a:ext uri="{28A0092B-C50C-407E-A947-70E740481C1C}">
+                <a14:useLocalDpi xmlns:a14="http://schemas.microsoft.com/office/drawing/2010/main" val="0"/>
+              </a:ext>
+            </a:extLst>
+          </a:blip>
+          <a:stretch>
+            <a:fillRect/>
+          </a:stretch>
+        </p:blipFill>
+        <p:spPr>
+          <a:xfrm>
+            <a:off x="323850" y="4532312"/>
+            <a:ext cx="5772150" cy="1857375"/>
+          </a:xfrm>
+          <a:prstGeom prst="rect">
+            <a:avLst/>
+          </a:prstGeom>
+        </p:spPr>
+      </p:pic>
+    </p:spTree>
+    <p:extLst>
+      <p:ext uri="{BB962C8B-B14F-4D97-AF65-F5344CB8AC3E}">
+        <p14:creationId xmlns:p14="http://schemas.microsoft.com/office/powerpoint/2010/main" val="3798227747"/>
       </p:ext>
     </p:extLst>
   </p:cSld>

--- a/assets.pptx
+++ b/assets.pptx
@@ -6,7 +6,8 @@
   </p:sldMasterIdLst>
   <p:sldIdLst>
     <p:sldId id="256" r:id="rId2"/>
-    <p:sldId id="257" r:id="rId3"/>
+    <p:sldId id="258" r:id="rId3"/>
+    <p:sldId id="257" r:id="rId4"/>
   </p:sldIdLst>
   <p:sldSz cx="12192000" cy="6858000"/>
   <p:notesSz cx="6858000" cy="9144000"/>
@@ -4247,8 +4248,8 @@
         </p:nvSpPr>
         <p:spPr>
           <a:xfrm>
-            <a:off x="4998965" y="671593"/>
-            <a:ext cx="6191118" cy="2800767"/>
+            <a:off x="5296719" y="4902644"/>
+            <a:ext cx="9651181" cy="1200329"/>
           </a:xfrm>
           <a:prstGeom prst="rect">
             <a:avLst/>
@@ -4256,13 +4257,13 @@
           <a:noFill/>
         </p:spPr>
         <p:txBody>
-          <a:bodyPr wrap="none" rtlCol="0">
+          <a:bodyPr wrap="square" rtlCol="0">
             <a:spAutoFit/>
           </a:bodyPr>
           <a:lstStyle/>
           <a:p>
             <a:r>
-              <a:rPr lang="en-US" sz="8800" dirty="0" smtClean="0">
+              <a:rPr lang="en-US" sz="7200" dirty="0" smtClean="0">
                 <a:solidFill>
                   <a:srgbClr val="0AA1D6"/>
                 </a:solidFill>
@@ -4270,10 +4271,8 @@
               </a:rPr>
               <a:t>Pressure </a:t>
             </a:r>
-          </a:p>
-          <a:p>
-            <a:r>
-              <a:rPr lang="en-US" sz="8800" dirty="0" smtClean="0">
+            <a:r>
+              <a:rPr lang="en-US" sz="7200" dirty="0" smtClean="0">
                 <a:solidFill>
                   <a:srgbClr val="0AA1D6"/>
                 </a:solidFill>
@@ -4281,7 +4280,7 @@
               </a:rPr>
               <a:t>Washers</a:t>
             </a:r>
-            <a:endParaRPr lang="en-US" sz="8800" dirty="0">
+            <a:endParaRPr lang="en-US" sz="7200" dirty="0">
               <a:solidFill>
                 <a:srgbClr val="0AA1D6"/>
               </a:solidFill>
@@ -4298,8 +4297,8 @@
         </p:nvSpPr>
         <p:spPr>
           <a:xfrm>
-            <a:off x="0" y="-694618"/>
-            <a:ext cx="13817600" cy="2646878"/>
+            <a:off x="5296719" y="3134684"/>
+            <a:ext cx="9346381" cy="1862048"/>
           </a:xfrm>
           <a:prstGeom prst="rect">
             <a:avLst/>
@@ -4312,7 +4311,7 @@
           <a:lstStyle/>
           <a:p>
             <a:r>
-              <a:rPr lang="en-US" sz="16600" dirty="0">
+              <a:rPr lang="en-US" sz="11500" dirty="0">
                 <a:solidFill>
                   <a:srgbClr val="022E79"/>
                 </a:solidFill>
@@ -4321,7 +4320,7 @@
               <a:t>Fort </a:t>
             </a:r>
             <a:r>
-              <a:rPr lang="en-US" sz="16600" dirty="0" smtClean="0">
+              <a:rPr lang="en-US" sz="11500" dirty="0" smtClean="0">
                 <a:solidFill>
                   <a:srgbClr val="022E79"/>
                 </a:solidFill>
@@ -4329,7 +4328,7 @@
               </a:rPr>
               <a:t>Collins </a:t>
             </a:r>
-            <a:endParaRPr lang="en-US" sz="16600" dirty="0">
+            <a:endParaRPr lang="en-US" sz="11500" dirty="0">
               <a:solidFill>
                 <a:srgbClr val="022E79"/>
               </a:solidFill>
@@ -4352,6 +4351,1101 @@
 </file>
 
 <file path=ppt/slides/slide2.xml><?xml version="1.0" encoding="utf-8"?>
+<p:sld xmlns:a="http://schemas.openxmlformats.org/drawingml/2006/main" xmlns:r="http://schemas.openxmlformats.org/officeDocument/2006/relationships" xmlns:p="http://schemas.openxmlformats.org/presentationml/2006/main">
+  <p:cSld>
+    <p:spTree>
+      <p:nvGrpSpPr>
+        <p:cNvPr id="1" name=""/>
+        <p:cNvGrpSpPr/>
+        <p:nvPr/>
+      </p:nvGrpSpPr>
+      <p:grpSpPr>
+        <a:xfrm>
+          <a:off x="0" y="0"/>
+          <a:ext cx="0" cy="0"/>
+          <a:chOff x="0" y="0"/>
+          <a:chExt cx="0" cy="0"/>
+        </a:xfrm>
+      </p:grpSpPr>
+      <p:grpSp>
+        <p:nvGrpSpPr>
+          <p:cNvPr id="25" name="Group 24"/>
+          <p:cNvGrpSpPr/>
+          <p:nvPr/>
+        </p:nvGrpSpPr>
+        <p:grpSpPr>
+          <a:xfrm>
+            <a:off x="212719" y="1625960"/>
+            <a:ext cx="14735181" cy="4786246"/>
+            <a:chOff x="212719" y="1625960"/>
+            <a:chExt cx="14735181" cy="4786246"/>
+          </a:xfrm>
+        </p:grpSpPr>
+        <p:grpSp>
+          <p:nvGrpSpPr>
+            <p:cNvPr id="2" name="Group 1"/>
+            <p:cNvGrpSpPr/>
+            <p:nvPr/>
+          </p:nvGrpSpPr>
+          <p:grpSpPr>
+            <a:xfrm>
+              <a:off x="212719" y="1625960"/>
+              <a:ext cx="4786246" cy="4786246"/>
+              <a:chOff x="7474632" y="742950"/>
+              <a:chExt cx="4786246" cy="4786246"/>
+            </a:xfrm>
+          </p:grpSpPr>
+          <p:grpSp>
+            <p:nvGrpSpPr>
+              <p:cNvPr id="3" name="Group 2"/>
+              <p:cNvGrpSpPr/>
+              <p:nvPr/>
+            </p:nvGrpSpPr>
+            <p:grpSpPr>
+              <a:xfrm>
+                <a:off x="7729033" y="769774"/>
+                <a:ext cx="4262941" cy="4504880"/>
+                <a:chOff x="7729034" y="2209838"/>
+                <a:chExt cx="2900218" cy="3064817"/>
+              </a:xfrm>
+            </p:grpSpPr>
+            <p:grpSp>
+              <p:nvGrpSpPr>
+                <p:cNvPr id="7" name="Group 6"/>
+                <p:cNvGrpSpPr/>
+                <p:nvPr/>
+              </p:nvGrpSpPr>
+              <p:grpSpPr>
+                <a:xfrm>
+                  <a:off x="8755896" y="2209838"/>
+                  <a:ext cx="1678960" cy="2055392"/>
+                  <a:chOff x="8755896" y="2209838"/>
+                  <a:chExt cx="1678960" cy="2055392"/>
+                </a:xfrm>
+                <a:solidFill>
+                  <a:srgbClr val="8DB8F7"/>
+                </a:solidFill>
+              </p:grpSpPr>
+              <p:sp>
+                <p:nvSpPr>
+                  <p:cNvPr id="12" name="Cloud 11"/>
+                  <p:cNvSpPr/>
+                  <p:nvPr/>
+                </p:nvSpPr>
+                <p:spPr>
+                  <a:xfrm rot="2838867">
+                    <a:off x="8900433" y="2595911"/>
+                    <a:ext cx="1920495" cy="1148350"/>
+                  </a:xfrm>
+                  <a:prstGeom prst="cloud">
+                    <a:avLst/>
+                  </a:prstGeom>
+                  <a:solidFill>
+                    <a:schemeClr val="accent1">
+                      <a:lumMod val="40000"/>
+                      <a:lumOff val="60000"/>
+                    </a:schemeClr>
+                  </a:solidFill>
+                  <a:ln>
+                    <a:solidFill>
+                      <a:schemeClr val="accent1">
+                        <a:lumMod val="40000"/>
+                        <a:lumOff val="60000"/>
+                      </a:schemeClr>
+                    </a:solidFill>
+                  </a:ln>
+                </p:spPr>
+                <p:style>
+                  <a:lnRef idx="2">
+                    <a:schemeClr val="accent1">
+                      <a:shade val="50000"/>
+                    </a:schemeClr>
+                  </a:lnRef>
+                  <a:fillRef idx="1">
+                    <a:schemeClr val="accent1"/>
+                  </a:fillRef>
+                  <a:effectRef idx="0">
+                    <a:schemeClr val="accent1"/>
+                  </a:effectRef>
+                  <a:fontRef idx="minor">
+                    <a:schemeClr val="lt1"/>
+                  </a:fontRef>
+                </p:style>
+                <p:txBody>
+                  <a:bodyPr rtlCol="0" anchor="ctr"/>
+                  <a:lstStyle/>
+                  <a:p>
+                    <a:pPr algn="ctr"/>
+                    <a:endParaRPr lang="en-US"/>
+                  </a:p>
+                </p:txBody>
+              </p:sp>
+              <p:sp>
+                <p:nvSpPr>
+                  <p:cNvPr id="13" name="Rectangle 12"/>
+                  <p:cNvSpPr/>
+                  <p:nvPr/>
+                </p:nvSpPr>
+                <p:spPr>
+                  <a:xfrm rot="2700000" flipH="1">
+                    <a:off x="9225862" y="3055882"/>
+                    <a:ext cx="290574" cy="1138860"/>
+                  </a:xfrm>
+                  <a:prstGeom prst="rect">
+                    <a:avLst/>
+                  </a:prstGeom>
+                  <a:solidFill>
+                    <a:schemeClr val="accent1">
+                      <a:lumMod val="40000"/>
+                      <a:lumOff val="60000"/>
+                    </a:schemeClr>
+                  </a:solidFill>
+                  <a:ln>
+                    <a:solidFill>
+                      <a:schemeClr val="accent1">
+                        <a:lumMod val="40000"/>
+                        <a:lumOff val="60000"/>
+                      </a:schemeClr>
+                    </a:solidFill>
+                  </a:ln>
+                </p:spPr>
+                <p:style>
+                  <a:lnRef idx="2">
+                    <a:schemeClr val="accent1">
+                      <a:shade val="50000"/>
+                    </a:schemeClr>
+                  </a:lnRef>
+                  <a:fillRef idx="1">
+                    <a:schemeClr val="accent1"/>
+                  </a:fillRef>
+                  <a:effectRef idx="0">
+                    <a:schemeClr val="accent1"/>
+                  </a:effectRef>
+                  <a:fontRef idx="minor">
+                    <a:schemeClr val="lt1"/>
+                  </a:fontRef>
+                </p:style>
+                <p:txBody>
+                  <a:bodyPr rtlCol="0" anchor="ctr"/>
+                  <a:lstStyle/>
+                  <a:p>
+                    <a:pPr algn="ctr"/>
+                    <a:endParaRPr lang="en-US"/>
+                  </a:p>
+                </p:txBody>
+              </p:sp>
+              <p:grpSp>
+                <p:nvGrpSpPr>
+                  <p:cNvPr id="14" name="Group 13"/>
+                  <p:cNvGrpSpPr/>
+                  <p:nvPr/>
+                </p:nvGrpSpPr>
+                <p:grpSpPr>
+                  <a:xfrm>
+                    <a:off x="8755896" y="3313261"/>
+                    <a:ext cx="893594" cy="951969"/>
+                    <a:chOff x="3397221" y="2025929"/>
+                    <a:chExt cx="1657061" cy="1765308"/>
+                  </a:xfrm>
+                  <a:grpFill/>
+                </p:grpSpPr>
+                <p:sp>
+                  <p:nvSpPr>
+                    <p:cNvPr id="15" name="Isosceles Triangle 14"/>
+                    <p:cNvSpPr/>
+                    <p:nvPr/>
+                  </p:nvSpPr>
+                  <p:spPr>
+                    <a:xfrm rot="13500000">
+                      <a:off x="3353636" y="3269240"/>
+                      <a:ext cx="565582" cy="478412"/>
+                    </a:xfrm>
+                    <a:prstGeom prst="triangle">
+                      <a:avLst/>
+                    </a:prstGeom>
+                    <a:solidFill>
+                      <a:schemeClr val="accent1">
+                        <a:lumMod val="40000"/>
+                        <a:lumOff val="60000"/>
+                      </a:schemeClr>
+                    </a:solidFill>
+                    <a:ln>
+                      <a:solidFill>
+                        <a:schemeClr val="accent1">
+                          <a:lumMod val="40000"/>
+                          <a:lumOff val="60000"/>
+                        </a:schemeClr>
+                      </a:solidFill>
+                    </a:ln>
+                  </p:spPr>
+                  <p:style>
+                    <a:lnRef idx="2">
+                      <a:schemeClr val="accent1">
+                        <a:shade val="50000"/>
+                      </a:schemeClr>
+                    </a:lnRef>
+                    <a:fillRef idx="1">
+                      <a:schemeClr val="accent1"/>
+                    </a:fillRef>
+                    <a:effectRef idx="0">
+                      <a:schemeClr val="accent1"/>
+                    </a:effectRef>
+                    <a:fontRef idx="minor">
+                      <a:schemeClr val="lt1"/>
+                    </a:fontRef>
+                  </p:style>
+                  <p:txBody>
+                    <a:bodyPr rtlCol="0" anchor="ctr"/>
+                    <a:lstStyle/>
+                    <a:p>
+                      <a:pPr algn="ctr"/>
+                      <a:endParaRPr lang="en-US"/>
+                    </a:p>
+                  </p:txBody>
+                </p:sp>
+                <p:sp>
+                  <p:nvSpPr>
+                    <p:cNvPr id="16" name="Isosceles Triangle 15"/>
+                    <p:cNvSpPr/>
+                    <p:nvPr/>
+                  </p:nvSpPr>
+                  <p:spPr>
+                    <a:xfrm rot="3668669">
+                      <a:off x="4602718" y="2564653"/>
+                      <a:ext cx="76226" cy="826903"/>
+                    </a:xfrm>
+                    <a:prstGeom prst="triangle">
+                      <a:avLst/>
+                    </a:prstGeom>
+                    <a:solidFill>
+                      <a:schemeClr val="accent1">
+                        <a:lumMod val="40000"/>
+                        <a:lumOff val="60000"/>
+                      </a:schemeClr>
+                    </a:solidFill>
+                    <a:ln>
+                      <a:solidFill>
+                        <a:schemeClr val="accent1">
+                          <a:lumMod val="40000"/>
+                          <a:lumOff val="60000"/>
+                        </a:schemeClr>
+                      </a:solidFill>
+                    </a:ln>
+                  </p:spPr>
+                  <p:style>
+                    <a:lnRef idx="2">
+                      <a:schemeClr val="accent1">
+                        <a:shade val="50000"/>
+                      </a:schemeClr>
+                    </a:lnRef>
+                    <a:fillRef idx="1">
+                      <a:schemeClr val="accent1"/>
+                    </a:fillRef>
+                    <a:effectRef idx="0">
+                      <a:schemeClr val="accent1"/>
+                    </a:effectRef>
+                    <a:fontRef idx="minor">
+                      <a:schemeClr val="lt1"/>
+                    </a:fontRef>
+                  </p:style>
+                  <p:txBody>
+                    <a:bodyPr rtlCol="0" anchor="ctr"/>
+                    <a:lstStyle/>
+                    <a:p>
+                      <a:pPr algn="ctr"/>
+                      <a:endParaRPr lang="en-US"/>
+                    </a:p>
+                  </p:txBody>
+                </p:sp>
+                <p:sp>
+                  <p:nvSpPr>
+                    <p:cNvPr id="17" name="Isosceles Triangle 16"/>
+                    <p:cNvSpPr/>
+                    <p:nvPr/>
+                  </p:nvSpPr>
+                  <p:spPr>
+                    <a:xfrm rot="4113444">
+                      <a:off x="4325139" y="2849775"/>
+                      <a:ext cx="131378" cy="826903"/>
+                    </a:xfrm>
+                    <a:prstGeom prst="triangle">
+                      <a:avLst/>
+                    </a:prstGeom>
+                    <a:solidFill>
+                      <a:schemeClr val="accent1">
+                        <a:lumMod val="40000"/>
+                        <a:lumOff val="60000"/>
+                      </a:schemeClr>
+                    </a:solidFill>
+                    <a:ln>
+                      <a:solidFill>
+                        <a:schemeClr val="accent1">
+                          <a:lumMod val="40000"/>
+                          <a:lumOff val="60000"/>
+                        </a:schemeClr>
+                      </a:solidFill>
+                    </a:ln>
+                  </p:spPr>
+                  <p:style>
+                    <a:lnRef idx="2">
+                      <a:schemeClr val="accent1">
+                        <a:shade val="50000"/>
+                      </a:schemeClr>
+                    </a:lnRef>
+                    <a:fillRef idx="1">
+                      <a:schemeClr val="accent1"/>
+                    </a:fillRef>
+                    <a:effectRef idx="0">
+                      <a:schemeClr val="accent1"/>
+                    </a:effectRef>
+                    <a:fontRef idx="minor">
+                      <a:schemeClr val="lt1"/>
+                    </a:fontRef>
+                  </p:style>
+                  <p:txBody>
+                    <a:bodyPr rtlCol="0" anchor="ctr"/>
+                    <a:lstStyle/>
+                    <a:p>
+                      <a:pPr algn="ctr"/>
+                      <a:endParaRPr lang="en-US"/>
+                    </a:p>
+                  </p:txBody>
+                </p:sp>
+                <p:sp>
+                  <p:nvSpPr>
+                    <p:cNvPr id="18" name="Isosceles Triangle 17"/>
+                    <p:cNvSpPr/>
+                    <p:nvPr/>
+                  </p:nvSpPr>
+                  <p:spPr>
+                    <a:xfrm rot="4702498">
+                      <a:off x="4182218" y="3149915"/>
+                      <a:ext cx="102873" cy="568390"/>
+                    </a:xfrm>
+                    <a:prstGeom prst="triangle">
+                      <a:avLst/>
+                    </a:prstGeom>
+                    <a:solidFill>
+                      <a:schemeClr val="accent1">
+                        <a:lumMod val="40000"/>
+                        <a:lumOff val="60000"/>
+                      </a:schemeClr>
+                    </a:solidFill>
+                    <a:ln>
+                      <a:solidFill>
+                        <a:schemeClr val="accent1">
+                          <a:lumMod val="40000"/>
+                          <a:lumOff val="60000"/>
+                        </a:schemeClr>
+                      </a:solidFill>
+                    </a:ln>
+                  </p:spPr>
+                  <p:style>
+                    <a:lnRef idx="2">
+                      <a:schemeClr val="accent1">
+                        <a:shade val="50000"/>
+                      </a:schemeClr>
+                    </a:lnRef>
+                    <a:fillRef idx="1">
+                      <a:schemeClr val="accent1"/>
+                    </a:fillRef>
+                    <a:effectRef idx="0">
+                      <a:schemeClr val="accent1"/>
+                    </a:effectRef>
+                    <a:fontRef idx="minor">
+                      <a:schemeClr val="lt1"/>
+                    </a:fontRef>
+                  </p:style>
+                  <p:txBody>
+                    <a:bodyPr rtlCol="0" anchor="ctr"/>
+                    <a:lstStyle/>
+                    <a:p>
+                      <a:pPr algn="ctr"/>
+                      <a:endParaRPr lang="en-US"/>
+                    </a:p>
+                  </p:txBody>
+                </p:sp>
+                <p:sp>
+                  <p:nvSpPr>
+                    <p:cNvPr id="19" name="Isosceles Triangle 18"/>
+                    <p:cNvSpPr/>
+                    <p:nvPr/>
+                  </p:nvSpPr>
+                  <p:spPr>
+                    <a:xfrm rot="1763968">
+                      <a:off x="3910797" y="2290410"/>
+                      <a:ext cx="86057" cy="826903"/>
+                    </a:xfrm>
+                    <a:prstGeom prst="triangle">
+                      <a:avLst/>
+                    </a:prstGeom>
+                    <a:solidFill>
+                      <a:schemeClr val="accent1">
+                        <a:lumMod val="40000"/>
+                        <a:lumOff val="60000"/>
+                      </a:schemeClr>
+                    </a:solidFill>
+                    <a:ln>
+                      <a:solidFill>
+                        <a:schemeClr val="accent1">
+                          <a:lumMod val="40000"/>
+                          <a:lumOff val="60000"/>
+                        </a:schemeClr>
+                      </a:solidFill>
+                    </a:ln>
+                  </p:spPr>
+                  <p:style>
+                    <a:lnRef idx="2">
+                      <a:schemeClr val="accent1">
+                        <a:shade val="50000"/>
+                      </a:schemeClr>
+                    </a:lnRef>
+                    <a:fillRef idx="1">
+                      <a:schemeClr val="accent1"/>
+                    </a:fillRef>
+                    <a:effectRef idx="0">
+                      <a:schemeClr val="accent1"/>
+                    </a:effectRef>
+                    <a:fontRef idx="minor">
+                      <a:schemeClr val="lt1"/>
+                    </a:fontRef>
+                  </p:style>
+                  <p:txBody>
+                    <a:bodyPr rtlCol="0" anchor="ctr"/>
+                    <a:lstStyle/>
+                    <a:p>
+                      <a:pPr algn="ctr"/>
+                      <a:endParaRPr lang="en-US"/>
+                    </a:p>
+                  </p:txBody>
+                </p:sp>
+                <p:sp>
+                  <p:nvSpPr>
+                    <p:cNvPr id="20" name="Isosceles Triangle 19"/>
+                    <p:cNvSpPr/>
+                    <p:nvPr/>
+                  </p:nvSpPr>
+                  <p:spPr>
+                    <a:xfrm rot="1090835">
+                      <a:off x="3665732" y="2684283"/>
+                      <a:ext cx="84780" cy="556122"/>
+                    </a:xfrm>
+                    <a:prstGeom prst="triangle">
+                      <a:avLst/>
+                    </a:prstGeom>
+                    <a:solidFill>
+                      <a:schemeClr val="accent1">
+                        <a:lumMod val="40000"/>
+                        <a:lumOff val="60000"/>
+                      </a:schemeClr>
+                    </a:solidFill>
+                    <a:ln>
+                      <a:solidFill>
+                        <a:schemeClr val="accent1">
+                          <a:lumMod val="40000"/>
+                          <a:lumOff val="60000"/>
+                        </a:schemeClr>
+                      </a:solidFill>
+                    </a:ln>
+                  </p:spPr>
+                  <p:style>
+                    <a:lnRef idx="2">
+                      <a:schemeClr val="accent1">
+                        <a:shade val="50000"/>
+                      </a:schemeClr>
+                    </a:lnRef>
+                    <a:fillRef idx="1">
+                      <a:schemeClr val="accent1"/>
+                    </a:fillRef>
+                    <a:effectRef idx="0">
+                      <a:schemeClr val="accent1"/>
+                    </a:effectRef>
+                    <a:fontRef idx="minor">
+                      <a:schemeClr val="lt1"/>
+                    </a:fontRef>
+                  </p:style>
+                  <p:txBody>
+                    <a:bodyPr rtlCol="0" anchor="ctr"/>
+                    <a:lstStyle/>
+                    <a:p>
+                      <a:pPr algn="ctr"/>
+                      <a:endParaRPr lang="en-US"/>
+                    </a:p>
+                  </p:txBody>
+                </p:sp>
+                <p:sp>
+                  <p:nvSpPr>
+                    <p:cNvPr id="22" name="Isosceles Triangle 38"/>
+                    <p:cNvSpPr/>
+                    <p:nvPr/>
+                  </p:nvSpPr>
+                  <p:spPr>
+                    <a:xfrm rot="12517115" flipH="1">
+                      <a:off x="4229935" y="2025929"/>
+                      <a:ext cx="62427" cy="661025"/>
+                    </a:xfrm>
+                    <a:custGeom>
+                      <a:avLst/>
+                      <a:gdLst>
+                        <a:gd name="connsiteX0" fmla="*/ 0 w 64891"/>
+                        <a:gd name="connsiteY0" fmla="*/ 523961 h 523961"/>
+                        <a:gd name="connsiteX1" fmla="*/ 32446 w 64891"/>
+                        <a:gd name="connsiteY1" fmla="*/ 0 h 523961"/>
+                        <a:gd name="connsiteX2" fmla="*/ 64891 w 64891"/>
+                        <a:gd name="connsiteY2" fmla="*/ 523961 h 523961"/>
+                        <a:gd name="connsiteX3" fmla="*/ 0 w 64891"/>
+                        <a:gd name="connsiteY3" fmla="*/ 523961 h 523961"/>
+                        <a:gd name="connsiteX0" fmla="*/ 0 w 49483"/>
+                        <a:gd name="connsiteY0" fmla="*/ 421150 h 523961"/>
+                        <a:gd name="connsiteX1" fmla="*/ 17038 w 49483"/>
+                        <a:gd name="connsiteY1" fmla="*/ 0 h 523961"/>
+                        <a:gd name="connsiteX2" fmla="*/ 49483 w 49483"/>
+                        <a:gd name="connsiteY2" fmla="*/ 523961 h 523961"/>
+                        <a:gd name="connsiteX3" fmla="*/ 0 w 49483"/>
+                        <a:gd name="connsiteY3" fmla="*/ 421150 h 523961"/>
+                      </a:gdLst>
+                      <a:ahLst/>
+                      <a:cxnLst>
+                        <a:cxn ang="0">
+                          <a:pos x="connsiteX0" y="connsiteY0"/>
+                        </a:cxn>
+                        <a:cxn ang="0">
+                          <a:pos x="connsiteX1" y="connsiteY1"/>
+                        </a:cxn>
+                        <a:cxn ang="0">
+                          <a:pos x="connsiteX2" y="connsiteY2"/>
+                        </a:cxn>
+                        <a:cxn ang="0">
+                          <a:pos x="connsiteX3" y="connsiteY3"/>
+                        </a:cxn>
+                      </a:cxnLst>
+                      <a:rect l="l" t="t" r="r" b="b"/>
+                      <a:pathLst>
+                        <a:path w="49483" h="523961">
+                          <a:moveTo>
+                            <a:pt x="0" y="421150"/>
+                          </a:moveTo>
+                          <a:lnTo>
+                            <a:pt x="17038" y="0"/>
+                          </a:lnTo>
+                          <a:lnTo>
+                            <a:pt x="49483" y="523961"/>
+                          </a:lnTo>
+                          <a:lnTo>
+                            <a:pt x="0" y="421150"/>
+                          </a:lnTo>
+                          <a:close/>
+                        </a:path>
+                      </a:pathLst>
+                    </a:custGeom>
+                    <a:solidFill>
+                      <a:schemeClr val="accent1">
+                        <a:lumMod val="40000"/>
+                        <a:lumOff val="60000"/>
+                      </a:schemeClr>
+                    </a:solidFill>
+                    <a:ln>
+                      <a:solidFill>
+                        <a:schemeClr val="accent1">
+                          <a:lumMod val="40000"/>
+                          <a:lumOff val="60000"/>
+                        </a:schemeClr>
+                      </a:solidFill>
+                    </a:ln>
+                  </p:spPr>
+                  <p:style>
+                    <a:lnRef idx="2">
+                      <a:schemeClr val="accent1">
+                        <a:shade val="50000"/>
+                      </a:schemeClr>
+                    </a:lnRef>
+                    <a:fillRef idx="1">
+                      <a:schemeClr val="accent1"/>
+                    </a:fillRef>
+                    <a:effectRef idx="0">
+                      <a:schemeClr val="accent1"/>
+                    </a:effectRef>
+                    <a:fontRef idx="minor">
+                      <a:schemeClr val="lt1"/>
+                    </a:fontRef>
+                  </p:style>
+                  <p:txBody>
+                    <a:bodyPr rtlCol="0" anchor="ctr"/>
+                    <a:lstStyle/>
+                    <a:p>
+                      <a:pPr algn="ctr"/>
+                      <a:endParaRPr lang="en-US"/>
+                    </a:p>
+                  </p:txBody>
+                </p:sp>
+              </p:grpSp>
+            </p:grpSp>
+            <p:grpSp>
+              <p:nvGrpSpPr>
+                <p:cNvPr id="8" name="Group 7"/>
+                <p:cNvGrpSpPr/>
+                <p:nvPr/>
+              </p:nvGrpSpPr>
+              <p:grpSpPr>
+                <a:xfrm>
+                  <a:off x="7729034" y="2374437"/>
+                  <a:ext cx="2900218" cy="2900218"/>
+                  <a:chOff x="7416800" y="1625601"/>
+                  <a:chExt cx="2900218" cy="2900218"/>
+                </a:xfrm>
+                <a:solidFill>
+                  <a:srgbClr val="042751"/>
+                </a:solidFill>
+              </p:grpSpPr>
+              <p:sp>
+                <p:nvSpPr>
+                  <p:cNvPr id="9" name="Donut 8"/>
+                  <p:cNvSpPr/>
+                  <p:nvPr/>
+                </p:nvSpPr>
+                <p:spPr>
+                  <a:xfrm>
+                    <a:off x="7416800" y="1625601"/>
+                    <a:ext cx="2900218" cy="2900218"/>
+                  </a:xfrm>
+                  <a:prstGeom prst="donut">
+                    <a:avLst>
+                      <a:gd name="adj" fmla="val 5586"/>
+                    </a:avLst>
+                  </a:prstGeom>
+                  <a:solidFill>
+                    <a:schemeClr val="accent1">
+                      <a:lumMod val="20000"/>
+                      <a:lumOff val="80000"/>
+                    </a:schemeClr>
+                  </a:solidFill>
+                  <a:ln>
+                    <a:solidFill>
+                      <a:schemeClr val="accent1">
+                        <a:lumMod val="20000"/>
+                        <a:lumOff val="80000"/>
+                      </a:schemeClr>
+                    </a:solidFill>
+                  </a:ln>
+                </p:spPr>
+                <p:style>
+                  <a:lnRef idx="2">
+                    <a:schemeClr val="accent1">
+                      <a:shade val="50000"/>
+                    </a:schemeClr>
+                  </a:lnRef>
+                  <a:fillRef idx="1">
+                    <a:schemeClr val="accent1"/>
+                  </a:fillRef>
+                  <a:effectRef idx="0">
+                    <a:schemeClr val="accent1"/>
+                  </a:effectRef>
+                  <a:fontRef idx="minor">
+                    <a:schemeClr val="lt1"/>
+                  </a:fontRef>
+                </p:style>
+                <p:txBody>
+                  <a:bodyPr rtlCol="0" anchor="ctr"/>
+                  <a:lstStyle/>
+                  <a:p>
+                    <a:pPr algn="ctr"/>
+                    <a:endParaRPr lang="en-US">
+                      <a:solidFill>
+                        <a:schemeClr val="tx1"/>
+                      </a:solidFill>
+                    </a:endParaRPr>
+                  </a:p>
+                </p:txBody>
+              </p:sp>
+              <p:sp>
+                <p:nvSpPr>
+                  <p:cNvPr id="10" name="Rectangle 9"/>
+                  <p:cNvSpPr/>
+                  <p:nvPr/>
+                </p:nvSpPr>
+                <p:spPr>
+                  <a:xfrm rot="2700000">
+                    <a:off x="8126366" y="3224742"/>
+                    <a:ext cx="151456" cy="1001402"/>
+                  </a:xfrm>
+                  <a:prstGeom prst="rect">
+                    <a:avLst/>
+                  </a:prstGeom>
+                  <a:solidFill>
+                    <a:schemeClr val="accent1">
+                      <a:lumMod val="20000"/>
+                      <a:lumOff val="80000"/>
+                    </a:schemeClr>
+                  </a:solidFill>
+                  <a:ln>
+                    <a:solidFill>
+                      <a:schemeClr val="tx2">
+                        <a:lumMod val="20000"/>
+                        <a:lumOff val="80000"/>
+                      </a:schemeClr>
+                    </a:solidFill>
+                  </a:ln>
+                </p:spPr>
+                <p:style>
+                  <a:lnRef idx="2">
+                    <a:schemeClr val="accent1">
+                      <a:shade val="50000"/>
+                    </a:schemeClr>
+                  </a:lnRef>
+                  <a:fillRef idx="1">
+                    <a:schemeClr val="accent1"/>
+                  </a:fillRef>
+                  <a:effectRef idx="0">
+                    <a:schemeClr val="accent1"/>
+                  </a:effectRef>
+                  <a:fontRef idx="minor">
+                    <a:schemeClr val="lt1"/>
+                  </a:fontRef>
+                </p:style>
+                <p:txBody>
+                  <a:bodyPr rtlCol="0" anchor="ctr"/>
+                  <a:lstStyle/>
+                  <a:p>
+                    <a:pPr algn="ctr"/>
+                    <a:endParaRPr lang="en-US"/>
+                  </a:p>
+                </p:txBody>
+              </p:sp>
+              <p:sp>
+                <p:nvSpPr>
+                  <p:cNvPr id="11" name="Isosceles Triangle 10"/>
+                  <p:cNvSpPr/>
+                  <p:nvPr/>
+                </p:nvSpPr>
+                <p:spPr>
+                  <a:xfrm rot="13500000">
+                    <a:off x="8287611" y="3297160"/>
+                    <a:ext cx="413512" cy="267855"/>
+                  </a:xfrm>
+                  <a:prstGeom prst="triangle">
+                    <a:avLst/>
+                  </a:prstGeom>
+                  <a:solidFill>
+                    <a:schemeClr val="accent1">
+                      <a:lumMod val="20000"/>
+                      <a:lumOff val="80000"/>
+                    </a:schemeClr>
+                  </a:solidFill>
+                  <a:ln>
+                    <a:solidFill>
+                      <a:schemeClr val="tx2">
+                        <a:lumMod val="20000"/>
+                        <a:lumOff val="80000"/>
+                      </a:schemeClr>
+                    </a:solidFill>
+                  </a:ln>
+                </p:spPr>
+                <p:style>
+                  <a:lnRef idx="2">
+                    <a:schemeClr val="accent1">
+                      <a:shade val="50000"/>
+                    </a:schemeClr>
+                  </a:lnRef>
+                  <a:fillRef idx="1">
+                    <a:schemeClr val="accent1"/>
+                  </a:fillRef>
+                  <a:effectRef idx="0">
+                    <a:schemeClr val="accent1"/>
+                  </a:effectRef>
+                  <a:fontRef idx="minor">
+                    <a:schemeClr val="lt1"/>
+                  </a:fontRef>
+                </p:style>
+                <p:txBody>
+                  <a:bodyPr rtlCol="0" anchor="ctr"/>
+                  <a:lstStyle/>
+                  <a:p>
+                    <a:pPr algn="ctr"/>
+                    <a:endParaRPr lang="en-US"/>
+                  </a:p>
+                </p:txBody>
+              </p:sp>
+            </p:grpSp>
+          </p:grpSp>
+          <p:sp>
+            <p:nvSpPr>
+              <p:cNvPr id="4" name="Donut 3"/>
+              <p:cNvSpPr/>
+              <p:nvPr/>
+            </p:nvSpPr>
+            <p:spPr>
+              <a:xfrm>
+                <a:off x="7474632" y="742950"/>
+                <a:ext cx="4786246" cy="4786246"/>
+              </a:xfrm>
+              <a:prstGeom prst="donut">
+                <a:avLst>
+                  <a:gd name="adj" fmla="val 5586"/>
+                </a:avLst>
+              </a:prstGeom>
+              <a:solidFill>
+                <a:schemeClr val="accent1">
+                  <a:lumMod val="20000"/>
+                  <a:lumOff val="80000"/>
+                </a:schemeClr>
+              </a:solidFill>
+              <a:ln>
+                <a:solidFill>
+                  <a:schemeClr val="accent1">
+                    <a:lumMod val="20000"/>
+                    <a:lumOff val="80000"/>
+                  </a:schemeClr>
+                </a:solidFill>
+              </a:ln>
+            </p:spPr>
+            <p:style>
+              <a:lnRef idx="2">
+                <a:schemeClr val="accent1">
+                  <a:shade val="50000"/>
+                </a:schemeClr>
+              </a:lnRef>
+              <a:fillRef idx="1">
+                <a:schemeClr val="accent1"/>
+              </a:fillRef>
+              <a:effectRef idx="0">
+                <a:schemeClr val="accent1"/>
+              </a:effectRef>
+              <a:fontRef idx="minor">
+                <a:schemeClr val="lt1"/>
+              </a:fontRef>
+            </p:style>
+            <p:txBody>
+              <a:bodyPr rtlCol="0" anchor="ctr"/>
+              <a:lstStyle/>
+              <a:p>
+                <a:pPr algn="ctr"/>
+                <a:endParaRPr lang="en-US">
+                  <a:solidFill>
+                    <a:schemeClr val="tx1"/>
+                  </a:solidFill>
+                </a:endParaRPr>
+              </a:p>
+            </p:txBody>
+          </p:sp>
+          <p:sp>
+            <p:nvSpPr>
+              <p:cNvPr id="5" name="Moon 4"/>
+              <p:cNvSpPr/>
+              <p:nvPr/>
+            </p:nvSpPr>
+            <p:spPr>
+              <a:xfrm rot="19886767">
+                <a:off x="9862012" y="1698962"/>
+                <a:ext cx="202297" cy="721455"/>
+              </a:xfrm>
+              <a:prstGeom prst="moon">
+                <a:avLst>
+                  <a:gd name="adj" fmla="val 19265"/>
+                </a:avLst>
+              </a:prstGeom>
+              <a:solidFill>
+                <a:srgbClr val="022E79"/>
+              </a:solidFill>
+              <a:ln>
+                <a:solidFill>
+                  <a:srgbClr val="002060"/>
+                </a:solidFill>
+              </a:ln>
+            </p:spPr>
+            <p:style>
+              <a:lnRef idx="2">
+                <a:schemeClr val="accent1">
+                  <a:shade val="50000"/>
+                </a:schemeClr>
+              </a:lnRef>
+              <a:fillRef idx="1">
+                <a:schemeClr val="accent1"/>
+              </a:fillRef>
+              <a:effectRef idx="0">
+                <a:schemeClr val="accent1"/>
+              </a:effectRef>
+              <a:fontRef idx="minor">
+                <a:schemeClr val="lt1"/>
+              </a:fontRef>
+            </p:style>
+            <p:txBody>
+              <a:bodyPr rtlCol="0" anchor="ctr"/>
+              <a:lstStyle/>
+              <a:p>
+                <a:pPr algn="ctr"/>
+                <a:endParaRPr lang="en-US"/>
+              </a:p>
+            </p:txBody>
+          </p:sp>
+          <p:sp>
+            <p:nvSpPr>
+              <p:cNvPr id="6" name="Moon 5"/>
+              <p:cNvSpPr/>
+              <p:nvPr/>
+            </p:nvSpPr>
+            <p:spPr>
+              <a:xfrm rot="18470241">
+                <a:off x="10902430" y="2797950"/>
+                <a:ext cx="146516" cy="518639"/>
+              </a:xfrm>
+              <a:prstGeom prst="moon">
+                <a:avLst>
+                  <a:gd name="adj" fmla="val 19265"/>
+                </a:avLst>
+              </a:prstGeom>
+              <a:solidFill>
+                <a:srgbClr val="022E79"/>
+              </a:solidFill>
+              <a:ln>
+                <a:solidFill>
+                  <a:srgbClr val="002060"/>
+                </a:solidFill>
+              </a:ln>
+            </p:spPr>
+            <p:style>
+              <a:lnRef idx="2">
+                <a:schemeClr val="accent1">
+                  <a:shade val="50000"/>
+                </a:schemeClr>
+              </a:lnRef>
+              <a:fillRef idx="1">
+                <a:schemeClr val="accent1"/>
+              </a:fillRef>
+              <a:effectRef idx="0">
+                <a:schemeClr val="accent1"/>
+              </a:effectRef>
+              <a:fontRef idx="minor">
+                <a:schemeClr val="lt1"/>
+              </a:fontRef>
+            </p:style>
+            <p:txBody>
+              <a:bodyPr rtlCol="0" anchor="ctr"/>
+              <a:lstStyle/>
+              <a:p>
+                <a:pPr algn="ctr"/>
+                <a:endParaRPr lang="en-US"/>
+              </a:p>
+            </p:txBody>
+          </p:sp>
+        </p:grpSp>
+        <p:sp>
+          <p:nvSpPr>
+            <p:cNvPr id="23" name="TextBox 22"/>
+            <p:cNvSpPr txBox="1"/>
+            <p:nvPr/>
+          </p:nvSpPr>
+          <p:spPr>
+            <a:xfrm>
+              <a:off x="5296719" y="4902644"/>
+              <a:ext cx="9651181" cy="1200329"/>
+            </a:xfrm>
+            <a:prstGeom prst="rect">
+              <a:avLst/>
+            </a:prstGeom>
+            <a:noFill/>
+          </p:spPr>
+          <p:txBody>
+            <a:bodyPr wrap="square" rtlCol="0">
+              <a:spAutoFit/>
+            </a:bodyPr>
+            <a:lstStyle/>
+            <a:p>
+              <a:r>
+                <a:rPr lang="en-US" sz="7200" dirty="0" smtClean="0">
+                  <a:solidFill>
+                    <a:schemeClr val="bg1">
+                      <a:lumMod val="95000"/>
+                    </a:schemeClr>
+                  </a:solidFill>
+                  <a:latin typeface="Cocogoose" pitchFamily="2" charset="0"/>
+                </a:rPr>
+                <a:t>Pressure </a:t>
+              </a:r>
+              <a:r>
+                <a:rPr lang="en-US" sz="7200" dirty="0" smtClean="0">
+                  <a:solidFill>
+                    <a:schemeClr val="bg1">
+                      <a:lumMod val="95000"/>
+                    </a:schemeClr>
+                  </a:solidFill>
+                  <a:latin typeface="Cocogoose" pitchFamily="2" charset="0"/>
+                </a:rPr>
+                <a:t>Washers</a:t>
+              </a:r>
+              <a:endParaRPr lang="en-US" sz="7200" dirty="0">
+                <a:solidFill>
+                  <a:schemeClr val="bg1">
+                    <a:lumMod val="95000"/>
+                  </a:schemeClr>
+                </a:solidFill>
+                <a:latin typeface="Cocogoose" pitchFamily="2" charset="0"/>
+              </a:endParaRPr>
+            </a:p>
+          </p:txBody>
+        </p:sp>
+        <p:sp>
+          <p:nvSpPr>
+            <p:cNvPr id="24" name="Rectangle 23"/>
+            <p:cNvSpPr/>
+            <p:nvPr/>
+          </p:nvSpPr>
+          <p:spPr>
+            <a:xfrm>
+              <a:off x="5296719" y="3134684"/>
+              <a:ext cx="9346381" cy="1862048"/>
+            </a:xfrm>
+            <a:prstGeom prst="rect">
+              <a:avLst/>
+            </a:prstGeom>
+          </p:spPr>
+          <p:txBody>
+            <a:bodyPr wrap="square">
+              <a:spAutoFit/>
+            </a:bodyPr>
+            <a:lstStyle/>
+            <a:p>
+              <a:r>
+                <a:rPr lang="en-US" sz="11500" dirty="0">
+                  <a:solidFill>
+                    <a:schemeClr val="bg1"/>
+                  </a:solidFill>
+                  <a:latin typeface="Cocogoose" pitchFamily="2" charset="0"/>
+                </a:rPr>
+                <a:t>Fort </a:t>
+              </a:r>
+              <a:r>
+                <a:rPr lang="en-US" sz="11500" dirty="0" smtClean="0">
+                  <a:solidFill>
+                    <a:schemeClr val="bg1"/>
+                  </a:solidFill>
+                  <a:latin typeface="Cocogoose" pitchFamily="2" charset="0"/>
+                </a:rPr>
+                <a:t>Collins </a:t>
+              </a:r>
+              <a:endParaRPr lang="en-US" sz="11500" dirty="0">
+                <a:solidFill>
+                  <a:schemeClr val="bg1"/>
+                </a:solidFill>
+                <a:latin typeface="Cocogoose" pitchFamily="2" charset="0"/>
+              </a:endParaRPr>
+            </a:p>
+          </p:txBody>
+        </p:sp>
+      </p:grpSp>
+    </p:spTree>
+    <p:extLst>
+      <p:ext uri="{BB962C8B-B14F-4D97-AF65-F5344CB8AC3E}">
+        <p14:creationId xmlns:p14="http://schemas.microsoft.com/office/powerpoint/2010/main" val="2619873047"/>
+      </p:ext>
+    </p:extLst>
+  </p:cSld>
+  <p:clrMapOvr>
+    <a:masterClrMapping/>
+  </p:clrMapOvr>
+</p:sld>
+</file>
+
+<file path=ppt/slides/slide3.xml><?xml version="1.0" encoding="utf-8"?>
 <p:sld xmlns:a="http://schemas.openxmlformats.org/drawingml/2006/main" xmlns:r="http://schemas.openxmlformats.org/officeDocument/2006/relationships" xmlns:p="http://schemas.openxmlformats.org/presentationml/2006/main">
   <p:cSld>
     <p:spTree>
